--- a/NHIS-Project1.pptx
+++ b/NHIS-Project1.pptx
@@ -27460,7 +27460,7 @@
           <a:p>
             <a:fld id="{846CE7D5-CF57-46EF-B807-FDD0502418D4}" type="datetimeFigureOut">
               <a:rPr lang="en-US" smtClean="0"/>
-              <a:t>1/20/2026</a:t>
+              <a:t>1/21/2026</a:t>
             </a:fld>
             <a:endParaRPr lang="en-US"/>
           </a:p>
@@ -27630,7 +27630,7 @@
           <a:p>
             <a:fld id="{846CE7D5-CF57-46EF-B807-FDD0502418D4}" type="datetimeFigureOut">
               <a:rPr lang="en-US" smtClean="0"/>
-              <a:t>1/20/2026</a:t>
+              <a:t>1/21/2026</a:t>
             </a:fld>
             <a:endParaRPr lang="en-US"/>
           </a:p>
@@ -27810,7 +27810,7 @@
           <a:p>
             <a:fld id="{846CE7D5-CF57-46EF-B807-FDD0502418D4}" type="datetimeFigureOut">
               <a:rPr lang="en-US" smtClean="0"/>
-              <a:t>1/20/2026</a:t>
+              <a:t>1/21/2026</a:t>
             </a:fld>
             <a:endParaRPr lang="en-US"/>
           </a:p>
@@ -27980,7 +27980,7 @@
           <a:p>
             <a:fld id="{846CE7D5-CF57-46EF-B807-FDD0502418D4}" type="datetimeFigureOut">
               <a:rPr lang="en-US" smtClean="0"/>
-              <a:t>1/20/2026</a:t>
+              <a:t>1/21/2026</a:t>
             </a:fld>
             <a:endParaRPr lang="en-US"/>
           </a:p>
@@ -28226,7 +28226,7 @@
           <a:p>
             <a:fld id="{846CE7D5-CF57-46EF-B807-FDD0502418D4}" type="datetimeFigureOut">
               <a:rPr lang="en-US" smtClean="0"/>
-              <a:t>1/20/2026</a:t>
+              <a:t>1/21/2026</a:t>
             </a:fld>
             <a:endParaRPr lang="en-US"/>
           </a:p>
@@ -28458,7 +28458,7 @@
           <a:p>
             <a:fld id="{846CE7D5-CF57-46EF-B807-FDD0502418D4}" type="datetimeFigureOut">
               <a:rPr lang="en-US" smtClean="0"/>
-              <a:t>1/20/2026</a:t>
+              <a:t>1/21/2026</a:t>
             </a:fld>
             <a:endParaRPr lang="en-US"/>
           </a:p>
@@ -28825,7 +28825,7 @@
           <a:p>
             <a:fld id="{846CE7D5-CF57-46EF-B807-FDD0502418D4}" type="datetimeFigureOut">
               <a:rPr lang="en-US" smtClean="0"/>
-              <a:t>1/20/2026</a:t>
+              <a:t>1/21/2026</a:t>
             </a:fld>
             <a:endParaRPr lang="en-US"/>
           </a:p>
@@ -28943,7 +28943,7 @@
           <a:p>
             <a:fld id="{846CE7D5-CF57-46EF-B807-FDD0502418D4}" type="datetimeFigureOut">
               <a:rPr lang="en-US" smtClean="0"/>
-              <a:t>1/20/2026</a:t>
+              <a:t>1/21/2026</a:t>
             </a:fld>
             <a:endParaRPr lang="en-US"/>
           </a:p>
@@ -29038,7 +29038,7 @@
           <a:p>
             <a:fld id="{846CE7D5-CF57-46EF-B807-FDD0502418D4}" type="datetimeFigureOut">
               <a:rPr lang="en-US" smtClean="0"/>
-              <a:t>1/20/2026</a:t>
+              <a:t>1/21/2026</a:t>
             </a:fld>
             <a:endParaRPr lang="en-US"/>
           </a:p>
@@ -29315,7 +29315,7 @@
           <a:p>
             <a:fld id="{846CE7D5-CF57-46EF-B807-FDD0502418D4}" type="datetimeFigureOut">
               <a:rPr lang="en-US" smtClean="0"/>
-              <a:t>1/20/2026</a:t>
+              <a:t>1/21/2026</a:t>
             </a:fld>
             <a:endParaRPr lang="en-US"/>
           </a:p>
@@ -29572,7 +29572,7 @@
           <a:p>
             <a:fld id="{846CE7D5-CF57-46EF-B807-FDD0502418D4}" type="datetimeFigureOut">
               <a:rPr lang="en-US" smtClean="0"/>
-              <a:t>1/20/2026</a:t>
+              <a:t>1/21/2026</a:t>
             </a:fld>
             <a:endParaRPr lang="en-US"/>
           </a:p>
@@ -29785,7 +29785,7 @@
           <a:p>
             <a:fld id="{846CE7D5-CF57-46EF-B807-FDD0502418D4}" type="datetimeFigureOut">
               <a:rPr lang="en-US" smtClean="0"/>
-              <a:t>1/20/2026</a:t>
+              <a:t>1/21/2026</a:t>
             </a:fld>
             <a:endParaRPr lang="en-US"/>
           </a:p>
@@ -30697,6 +30697,41 @@
           <a:p>
             <a:pPr algn="ctr"/>
             <a:endParaRPr lang="en-US"/>
+          </a:p>
+        </p:txBody>
+      </p:sp>
+      <p:sp>
+        <p:nvSpPr>
+          <p:cNvPr id="5" name="TextBox 4">
+            <a:extLst>
+              <a:ext uri="{FF2B5EF4-FFF2-40B4-BE49-F238E27FC236}">
+                <a16:creationId xmlns:a16="http://schemas.microsoft.com/office/drawing/2014/main" id="{3A670D46-896C-3F7A-CBB2-21B89B5B8650}"/>
+              </a:ext>
+            </a:extLst>
+          </p:cNvPr>
+          <p:cNvSpPr txBox="1"/>
+          <p:nvPr/>
+        </p:nvSpPr>
+        <p:spPr>
+          <a:xfrm>
+            <a:off x="2873908" y="6161867"/>
+            <a:ext cx="6097904" cy="369332"/>
+          </a:xfrm>
+          <a:prstGeom prst="rect">
+            <a:avLst/>
+          </a:prstGeom>
+          <a:noFill/>
+        </p:spPr>
+        <p:txBody>
+          <a:bodyPr wrap="square">
+            <a:spAutoFit/>
+          </a:bodyPr>
+          <a:lstStyle/>
+          <a:p>
+            <a:r>
+              <a:rPr lang="en-US" b="1" dirty="0"/>
+              <a:t>Name: Sanskar Pandey	Tool: Microsoft Excel</a:t>
+            </a:r>
           </a:p>
         </p:txBody>
       </p:sp>
